--- a/Week-Machine Learning/SVM Algorithm/Support Vector Machines.pptx
+++ b/Week-Machine Learning/SVM Algorithm/Support Vector Machines.pptx
@@ -1185,8 +1185,8 @@
         </p:nvSpPr>
         <p:spPr>
           <a:xfrm>
-            <a:off x="1143225" y="685800"/>
-            <a:ext cx="4572300" cy="3429000"/>
+            <a:off x="381000" y="685800"/>
+            <a:ext cx="6096000" cy="3429000"/>
           </a:xfrm>
           <a:custGeom>
             <a:avLst/>
@@ -1248,7 +1248,11 @@
               </a:spcAft>
               <a:buNone/>
             </a:pPr>
-            <a:endParaRPr/>
+            <a:r>
+              <a:rPr lang="en-US" dirty="0"/>
+              <a:t>Incase of imbalance dataset, we often check f1-score instead of accuracy score. If dataset is in perfect balance such as Iris dataset, we check accuracy score of the model.</a:t>
+            </a:r>
+            <a:endParaRPr dirty="0"/>
           </a:p>
         </p:txBody>
       </p:sp>
@@ -2279,7 +2283,7 @@
         </p:nvSpPr>
         <p:spPr>
           <a:xfrm>
-            <a:off x="381300" y="685800"/>
+            <a:off x="381000" y="685800"/>
             <a:ext cx="6096000" cy="3429000"/>
           </a:xfrm>
           <a:custGeom>
@@ -2342,7 +2346,11 @@
               </a:spcAft>
               <a:buNone/>
             </a:pPr>
-            <a:endParaRPr/>
+            <a:r>
+              <a:rPr lang="en-US" dirty="0"/>
+              <a:t>Optimized model will have larger margin. But it depends on situation sometime we need smaller margin and sometime we need larger margin.</a:t>
+            </a:r>
+            <a:endParaRPr dirty="0"/>
           </a:p>
         </p:txBody>
       </p:sp>
@@ -19348,7 +19356,7 @@
               <a:buNone/>
             </a:pPr>
             <a:r>
-              <a:rPr lang="en-GB"/>
+              <a:rPr lang="en-GB" dirty="0"/>
               <a:t> In this technique, if we have N class problem, then we learn N SVMs:</a:t>
             </a:r>
           </a:p>
@@ -19368,8 +19376,24 @@
               <a:buNone/>
             </a:pPr>
             <a:r>
+              <a:rPr lang="en-GB" dirty="0"/>
+              <a:t>SVM number -1 learns “</a:t>
+            </a:r>
+            <a:r>
+              <a:rPr lang="en-GB" dirty="0" err="1"/>
+              <a:t>class_output</a:t>
+            </a:r>
+            <a:r>
+              <a:rPr lang="en-GB" dirty="0"/>
+              <a:t> = 1” vs “</a:t>
+            </a:r>
+            <a:r>
+              <a:rPr lang="en-GB" dirty="0" err="1"/>
+              <a:t>class_output</a:t>
+            </a:r>
+            <a:r>
               <a:rPr lang="en-GB"/>
-              <a:t>SVM number -1 learns “class_output = 1” vs “class_output  ≠ 1″</a:t>
+              <a:t>  ≠ 1″</a:t>
             </a:r>
           </a:p>
           <a:p>
@@ -19405,8 +19429,24 @@
               <a:buNone/>
             </a:pPr>
             <a:r>
-              <a:rPr lang="en-GB"/>
-              <a:t>SVM number -2 learns “class_output = 2” vs “class_output ≠ 2″</a:t>
+              <a:rPr lang="en-GB" dirty="0"/>
+              <a:t>SVM number -2 learns “</a:t>
+            </a:r>
+            <a:r>
+              <a:rPr lang="en-GB" dirty="0" err="1"/>
+              <a:t>class_output</a:t>
+            </a:r>
+            <a:r>
+              <a:rPr lang="en-GB" dirty="0"/>
+              <a:t> = 2” vs “</a:t>
+            </a:r>
+            <a:r>
+              <a:rPr lang="en-GB" dirty="0" err="1"/>
+              <a:t>class_output</a:t>
+            </a:r>
+            <a:r>
+              <a:rPr lang="en-GB" dirty="0"/>
+              <a:t> ≠ 2″</a:t>
             </a:r>
           </a:p>
           <a:p>
@@ -19425,7 +19465,7 @@
               <a:buNone/>
             </a:pPr>
             <a:r>
-              <a:rPr lang="en-GB"/>
+              <a:rPr lang="en-GB" dirty="0"/>
               <a:t>:</a:t>
             </a:r>
           </a:p>
@@ -19445,8 +19485,24 @@
               <a:buNone/>
             </a:pPr>
             <a:r>
-              <a:rPr lang="en-GB"/>
-              <a:t>SVM number -N learns “class_output = N” vs “class_output ≠ N”</a:t>
+              <a:rPr lang="en-GB" dirty="0"/>
+              <a:t>SVM number -N learns “</a:t>
+            </a:r>
+            <a:r>
+              <a:rPr lang="en-GB" dirty="0" err="1"/>
+              <a:t>class_output</a:t>
+            </a:r>
+            <a:r>
+              <a:rPr lang="en-GB" dirty="0"/>
+              <a:t> = N” vs “</a:t>
+            </a:r>
+            <a:r>
+              <a:rPr lang="en-GB" dirty="0" err="1"/>
+              <a:t>class_output</a:t>
+            </a:r>
+            <a:r>
+              <a:rPr lang="en-GB" dirty="0"/>
+              <a:t> ≠ N”</a:t>
             </a:r>
           </a:p>
           <a:p>
@@ -19461,13 +19517,13 @@
               <a:buChar char="•"/>
             </a:pPr>
             <a:r>
-              <a:rPr lang="en-GB"/>
+              <a:rPr lang="en-GB" dirty="0"/>
               <a:t>Classification decision is based on the probability of the new data sample belonging to a specific class</a:t>
             </a:r>
             <a:br>
-              <a:rPr lang="en-GB"/>
+              <a:rPr lang="en-GB" dirty="0"/>
             </a:br>
-            <a:endParaRPr lang="en-GB"/>
+            <a:endParaRPr lang="en-GB" dirty="0"/>
           </a:p>
         </p:txBody>
       </p:sp>
